--- a/Digitalización/Tema 2/Tarea 2.1. Explorando las Técnologías Habilitadoras Digitales.pptx
+++ b/Digitalización/Tema 2/Tarea 2.1. Explorando las Técnologías Habilitadoras Digitales.pptx
@@ -9,6 +9,12 @@
     <p:sldId id="257" r:id="rId3"/>
     <p:sldId id="258" r:id="rId4"/>
     <p:sldId id="259" r:id="rId5"/>
+    <p:sldId id="262" r:id="rId6"/>
+    <p:sldId id="263" r:id="rId7"/>
+    <p:sldId id="264" r:id="rId8"/>
+    <p:sldId id="265" r:id="rId9"/>
+    <p:sldId id="260" r:id="rId10"/>
+    <p:sldId id="261" r:id="rId11"/>
   </p:sldIdLst>
   <p:sldSz cx="12192000" cy="6858000"/>
   <p:notesSz cx="6858000" cy="9144000"/>
@@ -107,6 +113,11 @@
       </a:defRPr>
     </a:lvl9pPr>
   </p:defaultTextStyle>
+  <p:extLst>
+    <p:ext uri="{EFAFB233-063F-42B5-8137-9DF3F51BA10A}">
+      <p15:sldGuideLst xmlns:p15="http://schemas.microsoft.com/office/powerpoint/2012/main"/>
+    </p:ext>
+  </p:extLst>
 </p:presentation>
 </file>
 
@@ -3023,7 +3034,7 @@
           <a:p>
             <a:fld id="{E7478786-3398-44BB-9DDF-37059DD1DF35}" type="datetimeFigureOut">
               <a:rPr lang="es-ES" smtClean="0"/>
-              <a:t>21/11/2024</a:t>
+              <a:t>26/11/2024</a:t>
             </a:fld>
             <a:endParaRPr lang="es-ES"/>
           </a:p>
@@ -8673,7 +8684,7 @@
           <a:p>
             <a:fld id="{E7478786-3398-44BB-9DDF-37059DD1DF35}" type="datetimeFigureOut">
               <a:rPr lang="es-ES" smtClean="0"/>
-              <a:t>21/11/2024</a:t>
+              <a:t>26/11/2024</a:t>
             </a:fld>
             <a:endParaRPr lang="es-ES"/>
           </a:p>
@@ -9188,6 +9199,111 @@
 </p:sld>
 </file>
 
+<file path=ppt/slides/slide10.xml><?xml version="1.0" encoding="utf-8"?>
+<p:sld xmlns:a="http://schemas.openxmlformats.org/drawingml/2006/main" xmlns:r="http://schemas.openxmlformats.org/officeDocument/2006/relationships" xmlns:p="http://schemas.openxmlformats.org/presentationml/2006/main">
+  <p:cSld>
+    <p:spTree>
+      <p:nvGrpSpPr>
+        <p:cNvPr id="1" name=""/>
+        <p:cNvGrpSpPr/>
+        <p:nvPr/>
+      </p:nvGrpSpPr>
+      <p:grpSpPr>
+        <a:xfrm>
+          <a:off x="0" y="0"/>
+          <a:ext cx="0" cy="0"/>
+          <a:chOff x="0" y="0"/>
+          <a:chExt cx="0" cy="0"/>
+        </a:xfrm>
+      </p:grpSpPr>
+      <p:sp>
+        <p:nvSpPr>
+          <p:cNvPr id="3" name="Título 2">
+            <a:extLst>
+              <a:ext uri="{FF2B5EF4-FFF2-40B4-BE49-F238E27FC236}">
+                <a16:creationId xmlns:a16="http://schemas.microsoft.com/office/drawing/2014/main" id="{B75F40CF-6700-F94C-1A22-E03062413EA9}"/>
+              </a:ext>
+            </a:extLst>
+          </p:cNvPr>
+          <p:cNvSpPr>
+            <a:spLocks noGrp="1"/>
+          </p:cNvSpPr>
+          <p:nvPr>
+            <p:ph type="title"/>
+          </p:nvPr>
+        </p:nvSpPr>
+        <p:spPr/>
+        <p:txBody>
+          <a:bodyPr/>
+          <a:lstStyle/>
+          <a:p>
+            <a:endParaRPr lang="es-ES" dirty="0"/>
+          </a:p>
+        </p:txBody>
+      </p:sp>
+      <p:sp>
+        <p:nvSpPr>
+          <p:cNvPr id="4" name="Marcador de contenido 3">
+            <a:extLst>
+              <a:ext uri="{FF2B5EF4-FFF2-40B4-BE49-F238E27FC236}">
+                <a16:creationId xmlns:a16="http://schemas.microsoft.com/office/drawing/2014/main" id="{41AEAF80-6242-F991-02F0-5D54999C3729}"/>
+              </a:ext>
+            </a:extLst>
+          </p:cNvPr>
+          <p:cNvSpPr>
+            <a:spLocks noGrp="1"/>
+          </p:cNvSpPr>
+          <p:nvPr>
+            <p:ph sz="quarter" idx="35"/>
+          </p:nvPr>
+        </p:nvSpPr>
+        <p:spPr/>
+        <p:txBody>
+          <a:bodyPr/>
+          <a:lstStyle/>
+          <a:p>
+            <a:endParaRPr lang="es-ES"/>
+          </a:p>
+        </p:txBody>
+      </p:sp>
+      <p:sp>
+        <p:nvSpPr>
+          <p:cNvPr id="5" name="Marcador de contenido 4">
+            <a:extLst>
+              <a:ext uri="{FF2B5EF4-FFF2-40B4-BE49-F238E27FC236}">
+                <a16:creationId xmlns:a16="http://schemas.microsoft.com/office/drawing/2014/main" id="{98DA9A2A-F121-AF23-6700-66879EF04766}"/>
+              </a:ext>
+            </a:extLst>
+          </p:cNvPr>
+          <p:cNvSpPr>
+            <a:spLocks noGrp="1"/>
+          </p:cNvSpPr>
+          <p:nvPr>
+            <p:ph sz="quarter" idx="36"/>
+          </p:nvPr>
+        </p:nvSpPr>
+        <p:spPr/>
+        <p:txBody>
+          <a:bodyPr/>
+          <a:lstStyle/>
+          <a:p>
+            <a:endParaRPr lang="es-ES"/>
+          </a:p>
+        </p:txBody>
+      </p:sp>
+    </p:spTree>
+    <p:extLst>
+      <p:ext uri="{BB962C8B-B14F-4D97-AF65-F5344CB8AC3E}">
+        <p14:creationId xmlns:p14="http://schemas.microsoft.com/office/powerpoint/2010/main" val="2496749679"/>
+      </p:ext>
+    </p:extLst>
+  </p:cSld>
+  <p:clrMapOvr>
+    <a:masterClrMapping/>
+  </p:clrMapOvr>
+</p:sld>
+</file>
+
 <file path=ppt/slides/slide2.xml><?xml version="1.0" encoding="utf-8"?>
 <p:sld xmlns:a="http://schemas.openxmlformats.org/drawingml/2006/main" xmlns:r="http://schemas.openxmlformats.org/officeDocument/2006/relationships" xmlns:p="http://schemas.openxmlformats.org/presentationml/2006/main">
   <p:cSld>
@@ -9528,6 +9644,565 @@
     <p:extLst>
       <p:ext uri="{BB962C8B-B14F-4D97-AF65-F5344CB8AC3E}">
         <p14:creationId xmlns:p14="http://schemas.microsoft.com/office/powerpoint/2010/main" val="931133524"/>
+      </p:ext>
+    </p:extLst>
+  </p:cSld>
+  <p:clrMapOvr>
+    <a:masterClrMapping/>
+  </p:clrMapOvr>
+</p:sld>
+</file>
+
+<file path=ppt/slides/slide5.xml><?xml version="1.0" encoding="utf-8"?>
+<p:sld xmlns:a="http://schemas.openxmlformats.org/drawingml/2006/main" xmlns:r="http://schemas.openxmlformats.org/officeDocument/2006/relationships" xmlns:p="http://schemas.openxmlformats.org/presentationml/2006/main">
+  <p:cSld>
+    <p:spTree>
+      <p:nvGrpSpPr>
+        <p:cNvPr id="1" name="">
+          <a:extLst>
+            <a:ext uri="{FF2B5EF4-FFF2-40B4-BE49-F238E27FC236}">
+              <a16:creationId xmlns:a16="http://schemas.microsoft.com/office/drawing/2014/main" id="{B967C4AF-81A0-354A-CD1F-4C6A5468285A}"/>
+            </a:ext>
+          </a:extLst>
+        </p:cNvPr>
+        <p:cNvGrpSpPr/>
+        <p:nvPr/>
+      </p:nvGrpSpPr>
+      <p:grpSpPr>
+        <a:xfrm>
+          <a:off x="0" y="0"/>
+          <a:ext cx="0" cy="0"/>
+          <a:chOff x="0" y="0"/>
+          <a:chExt cx="0" cy="0"/>
+        </a:xfrm>
+      </p:grpSpPr>
+      <p:sp>
+        <p:nvSpPr>
+          <p:cNvPr id="3" name="Título 2">
+            <a:extLst>
+              <a:ext uri="{FF2B5EF4-FFF2-40B4-BE49-F238E27FC236}">
+                <a16:creationId xmlns:a16="http://schemas.microsoft.com/office/drawing/2014/main" id="{F9C2960B-8CAD-B491-B51F-67BDDBF849BF}"/>
+              </a:ext>
+            </a:extLst>
+          </p:cNvPr>
+          <p:cNvSpPr>
+            <a:spLocks noGrp="1"/>
+          </p:cNvSpPr>
+          <p:nvPr>
+            <p:ph type="title"/>
+          </p:nvPr>
+        </p:nvSpPr>
+        <p:spPr/>
+        <p:txBody>
+          <a:bodyPr/>
+          <a:lstStyle/>
+          <a:p>
+            <a:r>
+              <a:rPr lang="es-ES" dirty="0"/>
+              <a:t>IA: Historia y Evolución</a:t>
+            </a:r>
+          </a:p>
+        </p:txBody>
+      </p:sp>
+      <p:sp>
+        <p:nvSpPr>
+          <p:cNvPr id="4" name="Marcador de contenido 3">
+            <a:extLst>
+              <a:ext uri="{FF2B5EF4-FFF2-40B4-BE49-F238E27FC236}">
+                <a16:creationId xmlns:a16="http://schemas.microsoft.com/office/drawing/2014/main" id="{4015F120-E1A2-2951-D8A4-389C19F60963}"/>
+              </a:ext>
+            </a:extLst>
+          </p:cNvPr>
+          <p:cNvSpPr>
+            <a:spLocks noGrp="1"/>
+          </p:cNvSpPr>
+          <p:nvPr>
+            <p:ph sz="quarter" idx="35"/>
+          </p:nvPr>
+        </p:nvSpPr>
+        <p:spPr/>
+        <p:txBody>
+          <a:bodyPr/>
+          <a:lstStyle/>
+          <a:p>
+            <a:r>
+              <a:rPr lang="es-ES" dirty="0"/>
+              <a:t>Historia:</a:t>
+            </a:r>
+          </a:p>
+          <a:p>
+            <a:endParaRPr lang="es-ES" dirty="0"/>
+          </a:p>
+        </p:txBody>
+      </p:sp>
+      <p:sp>
+        <p:nvSpPr>
+          <p:cNvPr id="5" name="Marcador de contenido 4">
+            <a:extLst>
+              <a:ext uri="{FF2B5EF4-FFF2-40B4-BE49-F238E27FC236}">
+                <a16:creationId xmlns:a16="http://schemas.microsoft.com/office/drawing/2014/main" id="{66EE6790-7021-6F0E-843E-7F73387E87C8}"/>
+              </a:ext>
+            </a:extLst>
+          </p:cNvPr>
+          <p:cNvSpPr>
+            <a:spLocks noGrp="1"/>
+          </p:cNvSpPr>
+          <p:nvPr>
+            <p:ph sz="quarter" idx="36"/>
+          </p:nvPr>
+        </p:nvSpPr>
+        <p:spPr/>
+        <p:txBody>
+          <a:bodyPr/>
+          <a:lstStyle/>
+          <a:p>
+            <a:r>
+              <a:rPr lang="es-ES" dirty="0"/>
+              <a:t>Evolución:</a:t>
+            </a:r>
+          </a:p>
+          <a:p>
+            <a:endParaRPr lang="es-ES" dirty="0"/>
+          </a:p>
+        </p:txBody>
+      </p:sp>
+    </p:spTree>
+    <p:extLst>
+      <p:ext uri="{BB962C8B-B14F-4D97-AF65-F5344CB8AC3E}">
+        <p14:creationId xmlns:p14="http://schemas.microsoft.com/office/powerpoint/2010/main" val="99983513"/>
+      </p:ext>
+    </p:extLst>
+  </p:cSld>
+  <p:clrMapOvr>
+    <a:masterClrMapping/>
+  </p:clrMapOvr>
+</p:sld>
+</file>
+
+<file path=ppt/slides/slide6.xml><?xml version="1.0" encoding="utf-8"?>
+<p:sld xmlns:a="http://schemas.openxmlformats.org/drawingml/2006/main" xmlns:r="http://schemas.openxmlformats.org/officeDocument/2006/relationships" xmlns:p="http://schemas.openxmlformats.org/presentationml/2006/main">
+  <p:cSld>
+    <p:spTree>
+      <p:nvGrpSpPr>
+        <p:cNvPr id="1" name="">
+          <a:extLst>
+            <a:ext uri="{FF2B5EF4-FFF2-40B4-BE49-F238E27FC236}">
+              <a16:creationId xmlns:a16="http://schemas.microsoft.com/office/drawing/2014/main" id="{0E139BC1-58E1-B83A-8B81-421F61FF45A1}"/>
+            </a:ext>
+          </a:extLst>
+        </p:cNvPr>
+        <p:cNvGrpSpPr/>
+        <p:nvPr/>
+      </p:nvGrpSpPr>
+      <p:grpSpPr>
+        <a:xfrm>
+          <a:off x="0" y="0"/>
+          <a:ext cx="0" cy="0"/>
+          <a:chOff x="0" y="0"/>
+          <a:chExt cx="0" cy="0"/>
+        </a:xfrm>
+      </p:grpSpPr>
+      <p:sp>
+        <p:nvSpPr>
+          <p:cNvPr id="3" name="Título 2">
+            <a:extLst>
+              <a:ext uri="{FF2B5EF4-FFF2-40B4-BE49-F238E27FC236}">
+                <a16:creationId xmlns:a16="http://schemas.microsoft.com/office/drawing/2014/main" id="{6B0B0323-6572-1F6E-3673-28F00C34A563}"/>
+              </a:ext>
+            </a:extLst>
+          </p:cNvPr>
+          <p:cNvSpPr>
+            <a:spLocks noGrp="1"/>
+          </p:cNvSpPr>
+          <p:nvPr>
+            <p:ph type="title"/>
+          </p:nvPr>
+        </p:nvSpPr>
+        <p:spPr/>
+        <p:txBody>
+          <a:bodyPr/>
+          <a:lstStyle/>
+          <a:p>
+            <a:r>
+              <a:rPr lang="es-ES" dirty="0"/>
+              <a:t>IA: Aplicaciones y Practicas</a:t>
+            </a:r>
+          </a:p>
+        </p:txBody>
+      </p:sp>
+      <p:sp>
+        <p:nvSpPr>
+          <p:cNvPr id="4" name="Marcador de contenido 3">
+            <a:extLst>
+              <a:ext uri="{FF2B5EF4-FFF2-40B4-BE49-F238E27FC236}">
+                <a16:creationId xmlns:a16="http://schemas.microsoft.com/office/drawing/2014/main" id="{1C5DCCBE-9729-1E8F-6050-1F331E43A952}"/>
+              </a:ext>
+            </a:extLst>
+          </p:cNvPr>
+          <p:cNvSpPr>
+            <a:spLocks noGrp="1"/>
+          </p:cNvSpPr>
+          <p:nvPr>
+            <p:ph sz="quarter" idx="35"/>
+          </p:nvPr>
+        </p:nvSpPr>
+        <p:spPr/>
+        <p:txBody>
+          <a:bodyPr/>
+          <a:lstStyle/>
+          <a:p>
+            <a:r>
+              <a:rPr lang="es-ES" dirty="0"/>
+              <a:t>Aplicaciones:</a:t>
+            </a:r>
+          </a:p>
+          <a:p>
+            <a:endParaRPr lang="es-ES" dirty="0"/>
+          </a:p>
+        </p:txBody>
+      </p:sp>
+      <p:sp>
+        <p:nvSpPr>
+          <p:cNvPr id="5" name="Marcador de contenido 4">
+            <a:extLst>
+              <a:ext uri="{FF2B5EF4-FFF2-40B4-BE49-F238E27FC236}">
+                <a16:creationId xmlns:a16="http://schemas.microsoft.com/office/drawing/2014/main" id="{ACC00478-C0B2-89D4-D454-1A72A29E1941}"/>
+              </a:ext>
+            </a:extLst>
+          </p:cNvPr>
+          <p:cNvSpPr>
+            <a:spLocks noGrp="1"/>
+          </p:cNvSpPr>
+          <p:nvPr>
+            <p:ph sz="quarter" idx="36"/>
+          </p:nvPr>
+        </p:nvSpPr>
+        <p:spPr/>
+        <p:txBody>
+          <a:bodyPr/>
+          <a:lstStyle/>
+          <a:p>
+            <a:r>
+              <a:rPr lang="es-ES" dirty="0"/>
+              <a:t>Practicas:</a:t>
+            </a:r>
+          </a:p>
+          <a:p>
+            <a:endParaRPr lang="es-ES" dirty="0"/>
+          </a:p>
+        </p:txBody>
+      </p:sp>
+    </p:spTree>
+    <p:extLst>
+      <p:ext uri="{BB962C8B-B14F-4D97-AF65-F5344CB8AC3E}">
+        <p14:creationId xmlns:p14="http://schemas.microsoft.com/office/powerpoint/2010/main" val="205389656"/>
+      </p:ext>
+    </p:extLst>
+  </p:cSld>
+  <p:clrMapOvr>
+    <a:masterClrMapping/>
+  </p:clrMapOvr>
+</p:sld>
+</file>
+
+<file path=ppt/slides/slide7.xml><?xml version="1.0" encoding="utf-8"?>
+<p:sld xmlns:a="http://schemas.openxmlformats.org/drawingml/2006/main" xmlns:r="http://schemas.openxmlformats.org/officeDocument/2006/relationships" xmlns:p="http://schemas.openxmlformats.org/presentationml/2006/main">
+  <p:cSld>
+    <p:spTree>
+      <p:nvGrpSpPr>
+        <p:cNvPr id="1" name="">
+          <a:extLst>
+            <a:ext uri="{FF2B5EF4-FFF2-40B4-BE49-F238E27FC236}">
+              <a16:creationId xmlns:a16="http://schemas.microsoft.com/office/drawing/2014/main" id="{88D021FC-EAE8-DFC6-0237-97867F925C39}"/>
+            </a:ext>
+          </a:extLst>
+        </p:cNvPr>
+        <p:cNvGrpSpPr/>
+        <p:nvPr/>
+      </p:nvGrpSpPr>
+      <p:grpSpPr>
+        <a:xfrm>
+          <a:off x="0" y="0"/>
+          <a:ext cx="0" cy="0"/>
+          <a:chOff x="0" y="0"/>
+          <a:chExt cx="0" cy="0"/>
+        </a:xfrm>
+      </p:grpSpPr>
+      <p:sp>
+        <p:nvSpPr>
+          <p:cNvPr id="3" name="Título 2">
+            <a:extLst>
+              <a:ext uri="{FF2B5EF4-FFF2-40B4-BE49-F238E27FC236}">
+                <a16:creationId xmlns:a16="http://schemas.microsoft.com/office/drawing/2014/main" id="{6281B22B-A157-2F3E-B2E2-9563A052A3D0}"/>
+              </a:ext>
+            </a:extLst>
+          </p:cNvPr>
+          <p:cNvSpPr>
+            <a:spLocks noGrp="1"/>
+          </p:cNvSpPr>
+          <p:nvPr>
+            <p:ph type="title"/>
+          </p:nvPr>
+        </p:nvSpPr>
+        <p:spPr/>
+        <p:txBody>
+          <a:bodyPr/>
+          <a:lstStyle/>
+          <a:p>
+            <a:r>
+              <a:rPr lang="es-ES" dirty="0"/>
+              <a:t>IA: Ventaja y Desventajas</a:t>
+            </a:r>
+          </a:p>
+        </p:txBody>
+      </p:sp>
+      <p:sp>
+        <p:nvSpPr>
+          <p:cNvPr id="4" name="Marcador de contenido 3">
+            <a:extLst>
+              <a:ext uri="{FF2B5EF4-FFF2-40B4-BE49-F238E27FC236}">
+                <a16:creationId xmlns:a16="http://schemas.microsoft.com/office/drawing/2014/main" id="{32B49B0E-0CFC-4996-BAAC-463DA1FFF26F}"/>
+              </a:ext>
+            </a:extLst>
+          </p:cNvPr>
+          <p:cNvSpPr>
+            <a:spLocks noGrp="1"/>
+          </p:cNvSpPr>
+          <p:nvPr>
+            <p:ph sz="quarter" idx="35"/>
+          </p:nvPr>
+        </p:nvSpPr>
+        <p:spPr/>
+        <p:txBody>
+          <a:bodyPr/>
+          <a:lstStyle/>
+          <a:p>
+            <a:r>
+              <a:rPr lang="es-ES" dirty="0"/>
+              <a:t>Ventajas:</a:t>
+            </a:r>
+          </a:p>
+          <a:p>
+            <a:endParaRPr lang="es-ES" dirty="0"/>
+          </a:p>
+        </p:txBody>
+      </p:sp>
+      <p:sp>
+        <p:nvSpPr>
+          <p:cNvPr id="5" name="Marcador de contenido 4">
+            <a:extLst>
+              <a:ext uri="{FF2B5EF4-FFF2-40B4-BE49-F238E27FC236}">
+                <a16:creationId xmlns:a16="http://schemas.microsoft.com/office/drawing/2014/main" id="{00012BBE-EFFA-896A-12F8-0AE38F9AC914}"/>
+              </a:ext>
+            </a:extLst>
+          </p:cNvPr>
+          <p:cNvSpPr>
+            <a:spLocks noGrp="1"/>
+          </p:cNvSpPr>
+          <p:nvPr>
+            <p:ph sz="quarter" idx="36"/>
+          </p:nvPr>
+        </p:nvSpPr>
+        <p:spPr/>
+        <p:txBody>
+          <a:bodyPr/>
+          <a:lstStyle/>
+          <a:p>
+            <a:r>
+              <a:rPr lang="es-ES" dirty="0"/>
+              <a:t>Desventajas:</a:t>
+            </a:r>
+          </a:p>
+          <a:p>
+            <a:endParaRPr lang="es-ES" dirty="0"/>
+          </a:p>
+        </p:txBody>
+      </p:sp>
+    </p:spTree>
+    <p:extLst>
+      <p:ext uri="{BB962C8B-B14F-4D97-AF65-F5344CB8AC3E}">
+        <p14:creationId xmlns:p14="http://schemas.microsoft.com/office/powerpoint/2010/main" val="327937491"/>
+      </p:ext>
+    </p:extLst>
+  </p:cSld>
+  <p:clrMapOvr>
+    <a:masterClrMapping/>
+  </p:clrMapOvr>
+</p:sld>
+</file>
+
+<file path=ppt/slides/slide8.xml><?xml version="1.0" encoding="utf-8"?>
+<p:sld xmlns:a="http://schemas.openxmlformats.org/drawingml/2006/main" xmlns:r="http://schemas.openxmlformats.org/officeDocument/2006/relationships" xmlns:p="http://schemas.openxmlformats.org/presentationml/2006/main">
+  <p:cSld>
+    <p:spTree>
+      <p:nvGrpSpPr>
+        <p:cNvPr id="1" name="">
+          <a:extLst>
+            <a:ext uri="{FF2B5EF4-FFF2-40B4-BE49-F238E27FC236}">
+              <a16:creationId xmlns:a16="http://schemas.microsoft.com/office/drawing/2014/main" id="{F56056C8-FD31-CB6B-3AB7-4307FE13564F}"/>
+            </a:ext>
+          </a:extLst>
+        </p:cNvPr>
+        <p:cNvGrpSpPr/>
+        <p:nvPr/>
+      </p:nvGrpSpPr>
+      <p:grpSpPr>
+        <a:xfrm>
+          <a:off x="0" y="0"/>
+          <a:ext cx="0" cy="0"/>
+          <a:chOff x="0" y="0"/>
+          <a:chExt cx="0" cy="0"/>
+        </a:xfrm>
+      </p:grpSpPr>
+      <p:sp>
+        <p:nvSpPr>
+          <p:cNvPr id="3" name="Título 2">
+            <a:extLst>
+              <a:ext uri="{FF2B5EF4-FFF2-40B4-BE49-F238E27FC236}">
+                <a16:creationId xmlns:a16="http://schemas.microsoft.com/office/drawing/2014/main" id="{89CDD976-4FD9-3006-1249-500BA0A7B09C}"/>
+              </a:ext>
+            </a:extLst>
+          </p:cNvPr>
+          <p:cNvSpPr>
+            <a:spLocks noGrp="1"/>
+          </p:cNvSpPr>
+          <p:nvPr>
+            <p:ph type="title"/>
+          </p:nvPr>
+        </p:nvSpPr>
+        <p:spPr/>
+        <p:txBody>
+          <a:bodyPr/>
+          <a:lstStyle/>
+          <a:p>
+            <a:r>
+              <a:rPr lang="es-ES" dirty="0"/>
+              <a:t>IA: Impacto en la sociedad</a:t>
+            </a:r>
+          </a:p>
+        </p:txBody>
+      </p:sp>
+      <p:sp>
+        <p:nvSpPr>
+          <p:cNvPr id="4" name="Marcador de contenido 3">
+            <a:extLst>
+              <a:ext uri="{FF2B5EF4-FFF2-40B4-BE49-F238E27FC236}">
+                <a16:creationId xmlns:a16="http://schemas.microsoft.com/office/drawing/2014/main" id="{24970302-607C-3998-2296-607F02283E87}"/>
+              </a:ext>
+            </a:extLst>
+          </p:cNvPr>
+          <p:cNvSpPr>
+            <a:spLocks noGrp="1"/>
+          </p:cNvSpPr>
+          <p:nvPr>
+            <p:ph sz="quarter" idx="36"/>
+          </p:nvPr>
+        </p:nvSpPr>
+        <p:spPr/>
+        <p:txBody>
+          <a:bodyPr/>
+          <a:lstStyle/>
+          <a:p>
+            <a:r>
+              <a:rPr lang="es-ES" dirty="0"/>
+              <a:t>Impacto en la sociedad: </a:t>
+            </a:r>
+          </a:p>
+          <a:p>
+            <a:endParaRPr lang="es-ES" dirty="0"/>
+          </a:p>
+        </p:txBody>
+      </p:sp>
+      <p:sp>
+        <p:nvSpPr>
+          <p:cNvPr id="5" name="Marcador de contenido 4">
+            <a:extLst>
+              <a:ext uri="{FF2B5EF4-FFF2-40B4-BE49-F238E27FC236}">
+                <a16:creationId xmlns:a16="http://schemas.microsoft.com/office/drawing/2014/main" id="{AE4BF628-00F9-C6C0-62F5-7ECF520EC51C}"/>
+              </a:ext>
+            </a:extLst>
+          </p:cNvPr>
+          <p:cNvSpPr>
+            <a:spLocks noGrp="1"/>
+          </p:cNvSpPr>
+          <p:nvPr>
+            <p:ph sz="quarter" idx="37"/>
+          </p:nvPr>
+        </p:nvSpPr>
+        <p:spPr/>
+        <p:txBody>
+          <a:bodyPr/>
+          <a:lstStyle/>
+          <a:p>
+            <a:endParaRPr lang="es-ES" dirty="0"/>
+          </a:p>
+          <a:p>
+            <a:endParaRPr lang="es-ES" dirty="0"/>
+          </a:p>
+        </p:txBody>
+      </p:sp>
+    </p:spTree>
+    <p:extLst>
+      <p:ext uri="{BB962C8B-B14F-4D97-AF65-F5344CB8AC3E}">
+        <p14:creationId xmlns:p14="http://schemas.microsoft.com/office/powerpoint/2010/main" val="823377766"/>
+      </p:ext>
+    </p:extLst>
+  </p:cSld>
+  <p:clrMapOvr>
+    <a:masterClrMapping/>
+  </p:clrMapOvr>
+</p:sld>
+</file>
+
+<file path=ppt/slides/slide9.xml><?xml version="1.0" encoding="utf-8"?>
+<p:sld xmlns:a="http://schemas.openxmlformats.org/drawingml/2006/main" xmlns:r="http://schemas.openxmlformats.org/officeDocument/2006/relationships" xmlns:p="http://schemas.openxmlformats.org/presentationml/2006/main">
+  <p:cSld>
+    <p:spTree>
+      <p:nvGrpSpPr>
+        <p:cNvPr id="1" name=""/>
+        <p:cNvGrpSpPr/>
+        <p:nvPr/>
+      </p:nvGrpSpPr>
+      <p:grpSpPr>
+        <a:xfrm>
+          <a:off x="0" y="0"/>
+          <a:ext cx="0" cy="0"/>
+          <a:chOff x="0" y="0"/>
+          <a:chExt cx="0" cy="0"/>
+        </a:xfrm>
+      </p:grpSpPr>
+      <p:sp>
+        <p:nvSpPr>
+          <p:cNvPr id="5" name="Título 4">
+            <a:extLst>
+              <a:ext uri="{FF2B5EF4-FFF2-40B4-BE49-F238E27FC236}">
+                <a16:creationId xmlns:a16="http://schemas.microsoft.com/office/drawing/2014/main" id="{B8E1110F-3F76-8696-626F-FB49B44C6F8A}"/>
+              </a:ext>
+            </a:extLst>
+          </p:cNvPr>
+          <p:cNvSpPr>
+            <a:spLocks noGrp="1"/>
+          </p:cNvSpPr>
+          <p:nvPr>
+            <p:ph type="title"/>
+          </p:nvPr>
+        </p:nvSpPr>
+        <p:spPr/>
+        <p:txBody>
+          <a:bodyPr/>
+          <a:lstStyle/>
+          <a:p>
+            <a:r>
+              <a:rPr lang="es-ES" dirty="0"/>
+              <a:t>IoT – Internet de las Cosas</a:t>
+            </a:r>
+          </a:p>
+        </p:txBody>
+      </p:sp>
+    </p:spTree>
+    <p:extLst>
+      <p:ext uri="{BB962C8B-B14F-4D97-AF65-F5344CB8AC3E}">
+        <p14:creationId xmlns:p14="http://schemas.microsoft.com/office/powerpoint/2010/main" val="3988875050"/>
       </p:ext>
     </p:extLst>
   </p:cSld>
